--- a/논문데이터분석(Chl-a predict, DNN and CNN with SMOTE)/그림모음/Methodology flowchart.pptx
+++ b/논문데이터분석(Chl-a predict, DNN and CNN with SMOTE)/그림모음/Methodology flowchart.pptx
@@ -259,7 +259,7 @@
           <a:p>
             <a:fld id="{DBEC6A6E-08AE-4C99-8B7C-FA4751955FB5}" type="datetimeFigureOut">
               <a:rPr lang="ko-KR" altLang="en-US" smtClean="0"/>
-              <a:t>2024-02-17</a:t>
+              <a:t>2024-02-19</a:t>
             </a:fld>
             <a:endParaRPr lang="ko-KR" altLang="en-US"/>
           </a:p>
@@ -457,7 +457,7 @@
           <a:p>
             <a:fld id="{DBEC6A6E-08AE-4C99-8B7C-FA4751955FB5}" type="datetimeFigureOut">
               <a:rPr lang="ko-KR" altLang="en-US" smtClean="0"/>
-              <a:t>2024-02-17</a:t>
+              <a:t>2024-02-19</a:t>
             </a:fld>
             <a:endParaRPr lang="ko-KR" altLang="en-US"/>
           </a:p>
@@ -665,7 +665,7 @@
           <a:p>
             <a:fld id="{DBEC6A6E-08AE-4C99-8B7C-FA4751955FB5}" type="datetimeFigureOut">
               <a:rPr lang="ko-KR" altLang="en-US" smtClean="0"/>
-              <a:t>2024-02-17</a:t>
+              <a:t>2024-02-19</a:t>
             </a:fld>
             <a:endParaRPr lang="ko-KR" altLang="en-US"/>
           </a:p>
@@ -863,7 +863,7 @@
           <a:p>
             <a:fld id="{DBEC6A6E-08AE-4C99-8B7C-FA4751955FB5}" type="datetimeFigureOut">
               <a:rPr lang="ko-KR" altLang="en-US" smtClean="0"/>
-              <a:t>2024-02-17</a:t>
+              <a:t>2024-02-19</a:t>
             </a:fld>
             <a:endParaRPr lang="ko-KR" altLang="en-US"/>
           </a:p>
@@ -1138,7 +1138,7 @@
           <a:p>
             <a:fld id="{DBEC6A6E-08AE-4C99-8B7C-FA4751955FB5}" type="datetimeFigureOut">
               <a:rPr lang="ko-KR" altLang="en-US" smtClean="0"/>
-              <a:t>2024-02-17</a:t>
+              <a:t>2024-02-19</a:t>
             </a:fld>
             <a:endParaRPr lang="ko-KR" altLang="en-US"/>
           </a:p>
@@ -1403,7 +1403,7 @@
           <a:p>
             <a:fld id="{DBEC6A6E-08AE-4C99-8B7C-FA4751955FB5}" type="datetimeFigureOut">
               <a:rPr lang="ko-KR" altLang="en-US" smtClean="0"/>
-              <a:t>2024-02-17</a:t>
+              <a:t>2024-02-19</a:t>
             </a:fld>
             <a:endParaRPr lang="ko-KR" altLang="en-US"/>
           </a:p>
@@ -1815,7 +1815,7 @@
           <a:p>
             <a:fld id="{DBEC6A6E-08AE-4C99-8B7C-FA4751955FB5}" type="datetimeFigureOut">
               <a:rPr lang="ko-KR" altLang="en-US" smtClean="0"/>
-              <a:t>2024-02-17</a:t>
+              <a:t>2024-02-19</a:t>
             </a:fld>
             <a:endParaRPr lang="ko-KR" altLang="en-US"/>
           </a:p>
@@ -1956,7 +1956,7 @@
           <a:p>
             <a:fld id="{DBEC6A6E-08AE-4C99-8B7C-FA4751955FB5}" type="datetimeFigureOut">
               <a:rPr lang="ko-KR" altLang="en-US" smtClean="0"/>
-              <a:t>2024-02-17</a:t>
+              <a:t>2024-02-19</a:t>
             </a:fld>
             <a:endParaRPr lang="ko-KR" altLang="en-US"/>
           </a:p>
@@ -2069,7 +2069,7 @@
           <a:p>
             <a:fld id="{DBEC6A6E-08AE-4C99-8B7C-FA4751955FB5}" type="datetimeFigureOut">
               <a:rPr lang="ko-KR" altLang="en-US" smtClean="0"/>
-              <a:t>2024-02-17</a:t>
+              <a:t>2024-02-19</a:t>
             </a:fld>
             <a:endParaRPr lang="ko-KR" altLang="en-US"/>
           </a:p>
@@ -2380,7 +2380,7 @@
           <a:p>
             <a:fld id="{DBEC6A6E-08AE-4C99-8B7C-FA4751955FB5}" type="datetimeFigureOut">
               <a:rPr lang="ko-KR" altLang="en-US" smtClean="0"/>
-              <a:t>2024-02-17</a:t>
+              <a:t>2024-02-19</a:t>
             </a:fld>
             <a:endParaRPr lang="ko-KR" altLang="en-US"/>
           </a:p>
@@ -2668,7 +2668,7 @@
           <a:p>
             <a:fld id="{DBEC6A6E-08AE-4C99-8B7C-FA4751955FB5}" type="datetimeFigureOut">
               <a:rPr lang="ko-KR" altLang="en-US" smtClean="0"/>
-              <a:t>2024-02-17</a:t>
+              <a:t>2024-02-19</a:t>
             </a:fld>
             <a:endParaRPr lang="ko-KR" altLang="en-US"/>
           </a:p>
@@ -2909,7 +2909,7 @@
           <a:p>
             <a:fld id="{DBEC6A6E-08AE-4C99-8B7C-FA4751955FB5}" type="datetimeFigureOut">
               <a:rPr lang="ko-KR" altLang="en-US" smtClean="0"/>
-              <a:t>2024-02-17</a:t>
+              <a:t>2024-02-19</a:t>
             </a:fld>
             <a:endParaRPr lang="ko-KR" altLang="en-US"/>
           </a:p>
@@ -3543,7 +3543,7 @@
         <p:spPr>
           <a:xfrm>
             <a:off x="4711337" y="1193074"/>
-            <a:ext cx="1384663" cy="182880"/>
+            <a:ext cx="1773810" cy="518246"/>
           </a:xfrm>
           <a:prstGeom prst="rightArrow">
             <a:avLst/>
@@ -3588,7 +3588,7 @@
         </p:nvSpPr>
         <p:spPr>
           <a:xfrm>
-            <a:off x="6287589" y="879566"/>
+            <a:off x="6583680" y="1673671"/>
             <a:ext cx="5294811" cy="888274"/>
           </a:xfrm>
           <a:prstGeom prst="roundRect">
@@ -3638,7 +3638,7 @@
         </p:nvCxnSpPr>
         <p:spPr>
           <a:xfrm flipV="1">
-            <a:off x="6818811" y="1767840"/>
+            <a:off x="7114902" y="2561945"/>
             <a:ext cx="391886" cy="748099"/>
           </a:xfrm>
           <a:prstGeom prst="straightConnector1">
@@ -3677,7 +3677,7 @@
         </p:nvCxnSpPr>
         <p:spPr>
           <a:xfrm flipV="1">
-            <a:off x="7984002" y="1767840"/>
+            <a:off x="8280093" y="2561945"/>
             <a:ext cx="245598" cy="949234"/>
           </a:xfrm>
           <a:prstGeom prst="straightConnector1">
@@ -3716,7 +3716,7 @@
         </p:nvCxnSpPr>
         <p:spPr>
           <a:xfrm flipH="1" flipV="1">
-            <a:off x="9457509" y="1767840"/>
+            <a:off x="9753600" y="2561945"/>
             <a:ext cx="539931" cy="1045029"/>
           </a:xfrm>
           <a:prstGeom prst="straightConnector1">
@@ -3755,7 +3755,7 @@
         </p:nvCxnSpPr>
         <p:spPr>
           <a:xfrm flipH="1" flipV="1">
-            <a:off x="10363199" y="1767840"/>
+            <a:off x="10659290" y="2561945"/>
             <a:ext cx="783772" cy="1045029"/>
           </a:xfrm>
           <a:prstGeom prst="straightConnector1">
@@ -3794,7 +3794,7 @@
         </p:nvSpPr>
         <p:spPr>
           <a:xfrm>
-            <a:off x="6453052" y="2518453"/>
+            <a:off x="6749143" y="3312558"/>
             <a:ext cx="767518" cy="307777"/>
           </a:xfrm>
           <a:prstGeom prst="rect">
@@ -3830,7 +3830,7 @@
         </p:nvSpPr>
         <p:spPr>
           <a:xfrm>
-            <a:off x="7593254" y="2717074"/>
+            <a:off x="7889345" y="3511179"/>
             <a:ext cx="883640" cy="307777"/>
           </a:xfrm>
           <a:prstGeom prst="rect">
@@ -3866,7 +3866,7 @@
         </p:nvSpPr>
         <p:spPr>
           <a:xfrm>
-            <a:off x="9367390" y="2787702"/>
+            <a:off x="9663481" y="3581807"/>
             <a:ext cx="1209947" cy="307777"/>
           </a:xfrm>
           <a:prstGeom prst="rect">
@@ -3902,7 +3902,7 @@
         </p:nvSpPr>
         <p:spPr>
           <a:xfrm>
-            <a:off x="10573921" y="2794713"/>
+            <a:off x="10820919" y="3570652"/>
             <a:ext cx="1371081" cy="307777"/>
           </a:xfrm>
           <a:prstGeom prst="rect">
@@ -3938,8 +3938,8 @@
         </p:nvSpPr>
         <p:spPr>
           <a:xfrm>
-            <a:off x="5303520" y="1628503"/>
-            <a:ext cx="600892" cy="1915886"/>
+            <a:off x="5450449" y="2220786"/>
+            <a:ext cx="600892" cy="1663318"/>
           </a:xfrm>
           <a:prstGeom prst="downArrow">
             <a:avLst/>
@@ -3984,7 +3984,7 @@
         </p:nvSpPr>
         <p:spPr>
           <a:xfrm>
-            <a:off x="827314" y="3631474"/>
+            <a:off x="827314" y="4268037"/>
             <a:ext cx="10755086" cy="748099"/>
           </a:xfrm>
           <a:prstGeom prst="roundRect">
@@ -4029,13 +4029,15 @@
               </a:ext>
             </a:extLst>
           </p:cNvPr>
-          <p:cNvCxnSpPr/>
+          <p:cNvCxnSpPr>
+            <a:cxnSpLocks/>
+          </p:cNvCxnSpPr>
           <p:nvPr/>
         </p:nvCxnSpPr>
         <p:spPr>
           <a:xfrm flipV="1">
-            <a:off x="1271451" y="4379573"/>
-            <a:ext cx="487680" cy="845570"/>
+            <a:off x="1271451" y="5027291"/>
+            <a:ext cx="328900" cy="197852"/>
           </a:xfrm>
           <a:prstGeom prst="straightConnector1">
             <a:avLst/>
@@ -4068,13 +4070,15 @@
               </a:ext>
             </a:extLst>
           </p:cNvPr>
-          <p:cNvCxnSpPr/>
+          <p:cNvCxnSpPr>
+            <a:cxnSpLocks/>
+          </p:cNvCxnSpPr>
           <p:nvPr/>
         </p:nvCxnSpPr>
         <p:spPr>
           <a:xfrm flipV="1">
-            <a:off x="2621280" y="4379573"/>
-            <a:ext cx="0" cy="1115535"/>
+            <a:off x="2621280" y="5027291"/>
+            <a:ext cx="0" cy="467817"/>
           </a:xfrm>
           <a:prstGeom prst="straightConnector1">
             <a:avLst/>
@@ -4115,8 +4119,8 @@
         </p:nvCxnSpPr>
         <p:spPr>
           <a:xfrm flipH="1" flipV="1">
-            <a:off x="3509554" y="4379573"/>
-            <a:ext cx="611330" cy="854279"/>
+            <a:off x="3666309" y="5041787"/>
+            <a:ext cx="454575" cy="192065"/>
           </a:xfrm>
           <a:prstGeom prst="straightConnector1">
             <a:avLst/>
@@ -4149,13 +4153,15 @@
               </a:ext>
             </a:extLst>
           </p:cNvPr>
-          <p:cNvCxnSpPr/>
+          <p:cNvCxnSpPr>
+            <a:cxnSpLocks/>
+          </p:cNvCxnSpPr>
           <p:nvPr/>
         </p:nvCxnSpPr>
         <p:spPr>
           <a:xfrm flipV="1">
-            <a:off x="1759131" y="4379573"/>
-            <a:ext cx="407707" cy="1759970"/>
+            <a:off x="1759131" y="5027291"/>
+            <a:ext cx="289968" cy="1112252"/>
           </a:xfrm>
           <a:prstGeom prst="straightConnector1">
             <a:avLst/>
@@ -4196,8 +4202,8 @@
         </p:nvCxnSpPr>
         <p:spPr>
           <a:xfrm flipH="1" flipV="1">
-            <a:off x="3074126" y="4379573"/>
-            <a:ext cx="903665" cy="1724696"/>
+            <a:off x="3218903" y="5027291"/>
+            <a:ext cx="758888" cy="1076978"/>
           </a:xfrm>
           <a:prstGeom prst="straightConnector1">
             <a:avLst/>
@@ -4230,13 +4236,15 @@
               </a:ext>
             </a:extLst>
           </p:cNvPr>
-          <p:cNvCxnSpPr/>
+          <p:cNvCxnSpPr>
+            <a:cxnSpLocks/>
+          </p:cNvCxnSpPr>
           <p:nvPr/>
         </p:nvCxnSpPr>
         <p:spPr>
           <a:xfrm flipV="1">
-            <a:off x="6818811" y="4379573"/>
-            <a:ext cx="316415" cy="1115535"/>
+            <a:off x="6818811" y="5037908"/>
+            <a:ext cx="237969" cy="457200"/>
           </a:xfrm>
           <a:prstGeom prst="straightConnector1">
             <a:avLst/>
@@ -4269,13 +4277,15 @@
               </a:ext>
             </a:extLst>
           </p:cNvPr>
-          <p:cNvCxnSpPr/>
+          <p:cNvCxnSpPr>
+            <a:cxnSpLocks/>
+          </p:cNvCxnSpPr>
           <p:nvPr/>
         </p:nvCxnSpPr>
         <p:spPr>
           <a:xfrm flipH="1" flipV="1">
-            <a:off x="8159931" y="4379573"/>
-            <a:ext cx="69669" cy="1272290"/>
+            <a:off x="8217330" y="5037908"/>
+            <a:ext cx="12270" cy="613955"/>
           </a:xfrm>
           <a:prstGeom prst="straightConnector1">
             <a:avLst/>
@@ -4308,13 +4318,15 @@
               </a:ext>
             </a:extLst>
           </p:cNvPr>
-          <p:cNvCxnSpPr/>
+          <p:cNvCxnSpPr>
+            <a:cxnSpLocks/>
+          </p:cNvCxnSpPr>
           <p:nvPr/>
         </p:nvCxnSpPr>
         <p:spPr>
           <a:xfrm flipH="1" flipV="1">
-            <a:off x="9135291" y="4379573"/>
-            <a:ext cx="627018" cy="1115535"/>
+            <a:off x="9300754" y="5049063"/>
+            <a:ext cx="461555" cy="446045"/>
           </a:xfrm>
           <a:prstGeom prst="straightConnector1">
             <a:avLst/>
@@ -4354,8 +4366,8 @@
         </p:nvCxnSpPr>
         <p:spPr>
           <a:xfrm flipV="1">
-            <a:off x="7210697" y="4379573"/>
-            <a:ext cx="452846" cy="1724696"/>
+            <a:off x="7210697" y="5037908"/>
+            <a:ext cx="318001" cy="1066361"/>
           </a:xfrm>
           <a:prstGeom prst="straightConnector1">
             <a:avLst/>
@@ -4396,8 +4408,8 @@
         </p:nvCxnSpPr>
         <p:spPr>
           <a:xfrm flipH="1" flipV="1">
-            <a:off x="8647681" y="4379573"/>
-            <a:ext cx="862324" cy="1661640"/>
+            <a:off x="8876871" y="5037908"/>
+            <a:ext cx="633134" cy="1003305"/>
           </a:xfrm>
           <a:prstGeom prst="straightConnector1">
             <a:avLst/>
@@ -4781,6 +4793,223 @@
           </a:p>
         </p:txBody>
       </p:sp>
+      <p:sp>
+        <p:nvSpPr>
+          <p:cNvPr id="46" name="사각형: 둥근 모서리 45">
+            <a:extLst>
+              <a:ext uri="{FF2B5EF4-FFF2-40B4-BE49-F238E27FC236}">
+                <a16:creationId xmlns:a16="http://schemas.microsoft.com/office/drawing/2014/main" id="{C2F9CEC3-ECAC-668E-9483-963AEC9C4C49}"/>
+              </a:ext>
+            </a:extLst>
+          </p:cNvPr>
+          <p:cNvSpPr/>
+          <p:nvPr/>
+        </p:nvSpPr>
+        <p:spPr>
+          <a:xfrm>
+            <a:off x="6583680" y="200016"/>
+            <a:ext cx="5294811" cy="825953"/>
+          </a:xfrm>
+          <a:prstGeom prst="roundRect">
+            <a:avLst/>
+          </a:prstGeom>
+          <a:solidFill>
+            <a:schemeClr val="accent4">
+              <a:lumMod val="75000"/>
+            </a:schemeClr>
+          </a:solidFill>
+        </p:spPr>
+        <p:style>
+          <a:lnRef idx="2">
+            <a:schemeClr val="accent1">
+              <a:shade val="15000"/>
+            </a:schemeClr>
+          </a:lnRef>
+          <a:fillRef idx="1">
+            <a:schemeClr val="accent1"/>
+          </a:fillRef>
+          <a:effectRef idx="0">
+            <a:schemeClr val="accent1"/>
+          </a:effectRef>
+          <a:fontRef idx="minor">
+            <a:schemeClr val="lt1"/>
+          </a:fontRef>
+        </p:style>
+        <p:txBody>
+          <a:bodyPr rtlCol="0" anchor="ctr"/>
+          <a:lstStyle/>
+          <a:p>
+            <a:pPr algn="ctr"/>
+            <a:r>
+              <a:rPr lang="en-US" altLang="ko-KR" sz="2800"/>
+              <a:t>Exploratory Data </a:t>
+            </a:r>
+            <a:r>
+              <a:rPr lang="en-US" altLang="ko-KR" sz="2800" dirty="0"/>
+              <a:t>A</a:t>
+            </a:r>
+            <a:r>
+              <a:rPr lang="en-US" altLang="ko-KR" sz="2800"/>
+              <a:t>nalysis</a:t>
+            </a:r>
+            <a:endParaRPr lang="ko-KR" altLang="en-US" sz="2800" dirty="0"/>
+          </a:p>
+        </p:txBody>
+      </p:sp>
+      <p:sp>
+        <p:nvSpPr>
+          <p:cNvPr id="48" name="TextBox 47">
+            <a:extLst>
+              <a:ext uri="{FF2B5EF4-FFF2-40B4-BE49-F238E27FC236}">
+                <a16:creationId xmlns:a16="http://schemas.microsoft.com/office/drawing/2014/main" id="{7783B65C-14F0-CB77-EA7D-35C10C75FF5B}"/>
+              </a:ext>
+            </a:extLst>
+          </p:cNvPr>
+          <p:cNvSpPr txBox="1"/>
+          <p:nvPr/>
+        </p:nvSpPr>
+        <p:spPr>
+          <a:xfrm>
+            <a:off x="7131143" y="1254034"/>
+            <a:ext cx="1846018" cy="307777"/>
+          </a:xfrm>
+          <a:prstGeom prst="rect">
+            <a:avLst/>
+          </a:prstGeom>
+          <a:noFill/>
+        </p:spPr>
+        <p:txBody>
+          <a:bodyPr wrap="none" rtlCol="0">
+            <a:spAutoFit/>
+          </a:bodyPr>
+          <a:lstStyle/>
+          <a:p>
+            <a:r>
+              <a:rPr lang="en-US" altLang="ko-KR" sz="1400" dirty="0"/>
+              <a:t>Descriptive Statistics</a:t>
+            </a:r>
+            <a:endParaRPr lang="ko-KR" altLang="en-US" sz="1400" dirty="0"/>
+          </a:p>
+        </p:txBody>
+      </p:sp>
+      <p:sp>
+        <p:nvSpPr>
+          <p:cNvPr id="50" name="TextBox 49">
+            <a:extLst>
+              <a:ext uri="{FF2B5EF4-FFF2-40B4-BE49-F238E27FC236}">
+                <a16:creationId xmlns:a16="http://schemas.microsoft.com/office/drawing/2014/main" id="{04718DC9-B2C8-083B-23D8-AE4C7668DCCD}"/>
+              </a:ext>
+            </a:extLst>
+          </p:cNvPr>
+          <p:cNvSpPr txBox="1"/>
+          <p:nvPr/>
+        </p:nvSpPr>
+        <p:spPr>
+          <a:xfrm>
+            <a:off x="9851711" y="1261688"/>
+            <a:ext cx="1797928" cy="307777"/>
+          </a:xfrm>
+          <a:prstGeom prst="rect">
+            <a:avLst/>
+          </a:prstGeom>
+          <a:noFill/>
+        </p:spPr>
+        <p:txBody>
+          <a:bodyPr wrap="none" rtlCol="0">
+            <a:spAutoFit/>
+          </a:bodyPr>
+          <a:lstStyle/>
+          <a:p>
+            <a:r>
+              <a:rPr lang="en-US" altLang="ko-KR" sz="1400" dirty="0"/>
+              <a:t>Correlation Analysis</a:t>
+            </a:r>
+            <a:endParaRPr lang="ko-KR" altLang="en-US" sz="1400" dirty="0"/>
+          </a:p>
+        </p:txBody>
+      </p:sp>
+      <p:cxnSp>
+        <p:nvCxnSpPr>
+          <p:cNvPr id="62" name="직선 화살표 연결선 61">
+            <a:extLst>
+              <a:ext uri="{FF2B5EF4-FFF2-40B4-BE49-F238E27FC236}">
+                <a16:creationId xmlns:a16="http://schemas.microsoft.com/office/drawing/2014/main" id="{FDA91C55-E517-FF9B-E3B6-29F6D591C23B}"/>
+              </a:ext>
+            </a:extLst>
+          </p:cNvPr>
+          <p:cNvCxnSpPr>
+            <a:cxnSpLocks/>
+          </p:cNvCxnSpPr>
+          <p:nvPr/>
+        </p:nvCxnSpPr>
+        <p:spPr>
+          <a:xfrm flipV="1">
+            <a:off x="8021387" y="1047741"/>
+            <a:ext cx="309778" cy="285896"/>
+          </a:xfrm>
+          <a:prstGeom prst="straightConnector1">
+            <a:avLst/>
+          </a:prstGeom>
+          <a:ln>
+            <a:tailEnd type="triangle"/>
+          </a:ln>
+        </p:spPr>
+        <p:style>
+          <a:lnRef idx="1">
+            <a:schemeClr val="accent1"/>
+          </a:lnRef>
+          <a:fillRef idx="0">
+            <a:schemeClr val="accent1"/>
+          </a:fillRef>
+          <a:effectRef idx="0">
+            <a:schemeClr val="accent1"/>
+          </a:effectRef>
+          <a:fontRef idx="minor">
+            <a:schemeClr val="tx1"/>
+          </a:fontRef>
+        </p:style>
+      </p:cxnSp>
+      <p:cxnSp>
+        <p:nvCxnSpPr>
+          <p:cNvPr id="64" name="직선 화살표 연결선 63">
+            <a:extLst>
+              <a:ext uri="{FF2B5EF4-FFF2-40B4-BE49-F238E27FC236}">
+                <a16:creationId xmlns:a16="http://schemas.microsoft.com/office/drawing/2014/main" id="{274C8093-FE3B-C25F-BBAD-DAA3D642D75C}"/>
+              </a:ext>
+            </a:extLst>
+          </p:cNvPr>
+          <p:cNvCxnSpPr>
+            <a:cxnSpLocks/>
+          </p:cNvCxnSpPr>
+          <p:nvPr/>
+        </p:nvCxnSpPr>
+        <p:spPr>
+          <a:xfrm flipH="1" flipV="1">
+            <a:off x="10189029" y="1043972"/>
+            <a:ext cx="315372" cy="315377"/>
+          </a:xfrm>
+          <a:prstGeom prst="straightConnector1">
+            <a:avLst/>
+          </a:prstGeom>
+          <a:ln>
+            <a:tailEnd type="triangle"/>
+          </a:ln>
+        </p:spPr>
+        <p:style>
+          <a:lnRef idx="1">
+            <a:schemeClr val="accent1"/>
+          </a:lnRef>
+          <a:fillRef idx="0">
+            <a:schemeClr val="accent1"/>
+          </a:fillRef>
+          <a:effectRef idx="0">
+            <a:schemeClr val="accent1"/>
+          </a:effectRef>
+          <a:fontRef idx="minor">
+            <a:schemeClr val="tx1"/>
+          </a:fontRef>
+        </p:style>
+      </p:cxnSp>
     </p:spTree>
     <p:extLst>
       <p:ext uri="{BB962C8B-B14F-4D97-AF65-F5344CB8AC3E}">
